--- a/meterials/slides/ch07-manage-persistant-object.pptx
+++ b/meterials/slides/ch07-manage-persistant-object.pptx
@@ -2978,14 +2978,21 @@
               <a:latin typeface="微软雅黑" panose="020B0503020204020204" pitchFamily="34" charset="-122"/>
               <a:ea typeface="微软雅黑" panose="020B0503020204020204" pitchFamily="34" charset="-122"/>
             </a:rPr>
-            <a:t>，把对象当前属性值组装</a:t>
+            <a:t>，把对象当前属性</a:t>
           </a:r>
           <a:r>
             <a:rPr lang="zh-CN" altLang="en-US" sz="2800" smtClean="0">
               <a:latin typeface="微软雅黑" panose="020B0503020204020204" pitchFamily="34" charset="-122"/>
               <a:ea typeface="微软雅黑" panose="020B0503020204020204" pitchFamily="34" charset="-122"/>
             </a:rPr>
-            <a:t>成到 </a:t>
+            <a:t>值</a:t>
+          </a:r>
+          <a:r>
+            <a:rPr lang="zh-CN" altLang="en-US" sz="2800" smtClean="0">
+              <a:latin typeface="微软雅黑" panose="020B0503020204020204" pitchFamily="34" charset="-122"/>
+              <a:ea typeface="微软雅黑" panose="020B0503020204020204" pitchFamily="34" charset="-122"/>
+            </a:rPr>
+            <a:t>组装到 </a:t>
           </a:r>
           <a:r>
             <a:rPr lang="en-US" altLang="zh-CN" sz="2800" smtClean="0">
@@ -2999,21 +3006,14 @@
               <a:latin typeface="微软雅黑" panose="020B0503020204020204" pitchFamily="34" charset="-122"/>
               <a:ea typeface="微软雅黑" panose="020B0503020204020204" pitchFamily="34" charset="-122"/>
             </a:rPr>
-            <a:t>语句</a:t>
-          </a:r>
-          <a:r>
-            <a:rPr lang="zh-CN" altLang="en-US" sz="2800" dirty="0" smtClean="0">
-              <a:latin typeface="微软雅黑" panose="020B0503020204020204" pitchFamily="34" charset="-122"/>
-              <a:ea typeface="微软雅黑" panose="020B0503020204020204" pitchFamily="34" charset="-122"/>
-            </a:rPr>
-            <a:t>中</a:t>
+            <a:t>语句中</a:t>
           </a:r>
           <a:r>
             <a:rPr lang="zh-CN" altLang="en-US" sz="2800" smtClean="0">
               <a:latin typeface="微软雅黑" panose="020B0503020204020204" pitchFamily="34" charset="-122"/>
               <a:ea typeface="微软雅黑" panose="020B0503020204020204" pitchFamily="34" charset="-122"/>
             </a:rPr>
-            <a:t>，执行 </a:t>
+            <a:t>，并执行 </a:t>
           </a:r>
           <a:r>
             <a:rPr lang="en-US" altLang="zh-CN" sz="2800" smtClean="0">
@@ -3933,7 +3933,21 @@
               <a:latin typeface="微软雅黑" panose="020B0503020204020204" pitchFamily="34" charset="-122"/>
               <a:ea typeface="微软雅黑" panose="020B0503020204020204" pitchFamily="34" charset="-122"/>
             </a:rPr>
-            <a:t>通过设置</a:t>
+            <a:t>通过</a:t>
+          </a:r>
+          <a:r>
+            <a:rPr lang="en-US" altLang="zh-CN" sz="2800" smtClean="0">
+              <a:latin typeface="微软雅黑" panose="020B0503020204020204" pitchFamily="34" charset="-122"/>
+              <a:ea typeface="微软雅黑" panose="020B0503020204020204" pitchFamily="34" charset="-122"/>
+            </a:rPr>
+            <a:t>select-before-update=true</a:t>
+          </a:r>
+          <a:r>
+            <a:rPr lang="zh-CN" altLang="zh-CN" sz="2800" smtClean="0">
+              <a:latin typeface="微软雅黑" panose="020B0503020204020204" pitchFamily="34" charset="-122"/>
+              <a:ea typeface="微软雅黑" panose="020B0503020204020204" pitchFamily="34" charset="-122"/>
+            </a:rPr>
+            <a:t>改设置</a:t>
           </a:r>
           <a:r>
             <a:rPr lang="en-US" altLang="zh-CN" sz="2800" smtClean="0">
@@ -3947,21 +3961,7 @@
               <a:latin typeface="微软雅黑" panose="020B0503020204020204" pitchFamily="34" charset="-122"/>
               <a:ea typeface="微软雅黑" panose="020B0503020204020204" pitchFamily="34" charset="-122"/>
             </a:rPr>
-            <a:t>的</a:t>
-          </a:r>
-          <a:r>
-            <a:rPr lang="en-US" altLang="zh-CN" sz="2800" smtClean="0">
-              <a:latin typeface="微软雅黑" panose="020B0503020204020204" pitchFamily="34" charset="-122"/>
-              <a:ea typeface="微软雅黑" panose="020B0503020204020204" pitchFamily="34" charset="-122"/>
-            </a:rPr>
-            <a:t>select-before-update=true</a:t>
-          </a:r>
-          <a:r>
-            <a:rPr lang="zh-CN" altLang="zh-CN" sz="2800" smtClean="0">
-              <a:latin typeface="微软雅黑" panose="020B0503020204020204" pitchFamily="34" charset="-122"/>
-              <a:ea typeface="微软雅黑" panose="020B0503020204020204" pitchFamily="34" charset="-122"/>
-            </a:rPr>
-            <a:t>改变</a:t>
+            <a:t>的变</a:t>
           </a:r>
           <a:r>
             <a:rPr lang="zh-CN" altLang="en-US" sz="2800" smtClean="0">
@@ -5157,14 +5157,21 @@
               <a:latin typeface="微软雅黑" panose="020B0503020204020204" pitchFamily="34" charset="-122"/>
               <a:ea typeface="微软雅黑" panose="020B0503020204020204" pitchFamily="34" charset="-122"/>
             </a:rPr>
-            <a:t>，把对象当前属性值组装</a:t>
+            <a:t>，把对象当前属性</a:t>
           </a:r>
           <a:r>
             <a:rPr lang="zh-CN" altLang="en-US" sz="2800" kern="1200" smtClean="0">
               <a:latin typeface="微软雅黑" panose="020B0503020204020204" pitchFamily="34" charset="-122"/>
               <a:ea typeface="微软雅黑" panose="020B0503020204020204" pitchFamily="34" charset="-122"/>
             </a:rPr>
-            <a:t>成到 </a:t>
+            <a:t>值</a:t>
+          </a:r>
+          <a:r>
+            <a:rPr lang="zh-CN" altLang="en-US" sz="2800" kern="1200" smtClean="0">
+              <a:latin typeface="微软雅黑" panose="020B0503020204020204" pitchFamily="34" charset="-122"/>
+              <a:ea typeface="微软雅黑" panose="020B0503020204020204" pitchFamily="34" charset="-122"/>
+            </a:rPr>
+            <a:t>组装到 </a:t>
           </a:r>
           <a:r>
             <a:rPr lang="en-US" altLang="zh-CN" sz="2800" kern="1200" smtClean="0">
@@ -5178,21 +5185,14 @@
               <a:latin typeface="微软雅黑" panose="020B0503020204020204" pitchFamily="34" charset="-122"/>
               <a:ea typeface="微软雅黑" panose="020B0503020204020204" pitchFamily="34" charset="-122"/>
             </a:rPr>
-            <a:t>语句</a:t>
-          </a:r>
-          <a:r>
-            <a:rPr lang="zh-CN" altLang="en-US" sz="2800" kern="1200" dirty="0" smtClean="0">
-              <a:latin typeface="微软雅黑" panose="020B0503020204020204" pitchFamily="34" charset="-122"/>
-              <a:ea typeface="微软雅黑" panose="020B0503020204020204" pitchFamily="34" charset="-122"/>
-            </a:rPr>
-            <a:t>中</a:t>
+            <a:t>语句中</a:t>
           </a:r>
           <a:r>
             <a:rPr lang="zh-CN" altLang="en-US" sz="2800" kern="1200" smtClean="0">
               <a:latin typeface="微软雅黑" panose="020B0503020204020204" pitchFamily="34" charset="-122"/>
               <a:ea typeface="微软雅黑" panose="020B0503020204020204" pitchFamily="34" charset="-122"/>
             </a:rPr>
-            <a:t>，执行 </a:t>
+            <a:t>，并执行 </a:t>
           </a:r>
           <a:r>
             <a:rPr lang="en-US" altLang="zh-CN" sz="2800" kern="1200" smtClean="0">
@@ -6057,7 +6057,21 @@
               <a:latin typeface="微软雅黑" panose="020B0503020204020204" pitchFamily="34" charset="-122"/>
               <a:ea typeface="微软雅黑" panose="020B0503020204020204" pitchFamily="34" charset="-122"/>
             </a:rPr>
-            <a:t>通过设置</a:t>
+            <a:t>通过</a:t>
+          </a:r>
+          <a:r>
+            <a:rPr lang="en-US" altLang="zh-CN" sz="2800" kern="1200" smtClean="0">
+              <a:latin typeface="微软雅黑" panose="020B0503020204020204" pitchFamily="34" charset="-122"/>
+              <a:ea typeface="微软雅黑" panose="020B0503020204020204" pitchFamily="34" charset="-122"/>
+            </a:rPr>
+            <a:t>select-before-update=true</a:t>
+          </a:r>
+          <a:r>
+            <a:rPr lang="zh-CN" altLang="zh-CN" sz="2800" kern="1200" smtClean="0">
+              <a:latin typeface="微软雅黑" panose="020B0503020204020204" pitchFamily="34" charset="-122"/>
+              <a:ea typeface="微软雅黑" panose="020B0503020204020204" pitchFamily="34" charset="-122"/>
+            </a:rPr>
+            <a:t>改设置</a:t>
           </a:r>
           <a:r>
             <a:rPr lang="en-US" altLang="zh-CN" sz="2800" kern="1200" smtClean="0">
@@ -6071,21 +6085,7 @@
               <a:latin typeface="微软雅黑" panose="020B0503020204020204" pitchFamily="34" charset="-122"/>
               <a:ea typeface="微软雅黑" panose="020B0503020204020204" pitchFamily="34" charset="-122"/>
             </a:rPr>
-            <a:t>的</a:t>
-          </a:r>
-          <a:r>
-            <a:rPr lang="en-US" altLang="zh-CN" sz="2800" kern="1200" smtClean="0">
-              <a:latin typeface="微软雅黑" panose="020B0503020204020204" pitchFamily="34" charset="-122"/>
-              <a:ea typeface="微软雅黑" panose="020B0503020204020204" pitchFamily="34" charset="-122"/>
-            </a:rPr>
-            <a:t>select-before-update=true</a:t>
-          </a:r>
-          <a:r>
-            <a:rPr lang="zh-CN" altLang="zh-CN" sz="2800" kern="1200" smtClean="0">
-              <a:latin typeface="微软雅黑" panose="020B0503020204020204" pitchFamily="34" charset="-122"/>
-              <a:ea typeface="微软雅黑" panose="020B0503020204020204" pitchFamily="34" charset="-122"/>
-            </a:rPr>
-            <a:t>改变</a:t>
+            <a:t>的变</a:t>
           </a:r>
           <a:r>
             <a:rPr lang="zh-CN" altLang="en-US" sz="2800" kern="1200" smtClean="0">
@@ -13735,7 +13735,7 @@
           <a:p>
             <a:fld id="{8C6DAAC4-3F4D-4BC2-99C2-C888EF35166D}" type="datetimeFigureOut">
               <a:rPr lang="zh-CN" altLang="en-US" smtClean="0"/>
-              <a:t>2017/9/5</a:t>
+              <a:t>2017/9/6</a:t>
             </a:fld>
             <a:endParaRPr lang="zh-CN" altLang="en-US"/>
           </a:p>
@@ -14461,6 +14461,124 @@
 </file>
 
 <file path=ppt/notesSlides/notesSlide10.xml><?xml version="1.0" encoding="utf-8"?>
+<p:notes xmlns:a="http://schemas.openxmlformats.org/drawingml/2006/main" xmlns:r="http://schemas.openxmlformats.org/officeDocument/2006/relationships" xmlns:p="http://schemas.openxmlformats.org/presentationml/2006/main">
+  <p:cSld>
+    <p:spTree>
+      <p:nvGrpSpPr>
+        <p:cNvPr id="1" name=""/>
+        <p:cNvGrpSpPr/>
+        <p:nvPr/>
+      </p:nvGrpSpPr>
+      <p:grpSpPr>
+        <a:xfrm>
+          <a:off x="0" y="0"/>
+          <a:ext cx="0" cy="0"/>
+          <a:chOff x="0" y="0"/>
+          <a:chExt cx="0" cy="0"/>
+        </a:xfrm>
+      </p:grpSpPr>
+      <p:sp>
+        <p:nvSpPr>
+          <p:cNvPr id="2" name="幻灯片图像占位符 1"/>
+          <p:cNvSpPr>
+            <a:spLocks noGrp="1" noRot="1" noChangeAspect="1"/>
+          </p:cNvSpPr>
+          <p:nvPr>
+            <p:ph type="sldImg"/>
+          </p:nvPr>
+        </p:nvSpPr>
+        <p:spPr/>
+      </p:sp>
+      <p:sp>
+        <p:nvSpPr>
+          <p:cNvPr id="3" name="备注占位符 2"/>
+          <p:cNvSpPr>
+            <a:spLocks noGrp="1"/>
+          </p:cNvSpPr>
+          <p:nvPr>
+            <p:ph type="body" idx="1"/>
+          </p:nvPr>
+        </p:nvSpPr>
+        <p:spPr/>
+        <p:txBody>
+          <a:bodyPr/>
+          <a:lstStyle/>
+          <a:p>
+            <a:r>
+              <a:rPr lang="en-US" altLang="zh-CN" smtClean="0"/>
+              <a:t>Unsaved-value</a:t>
+            </a:r>
+            <a:r>
+              <a:rPr lang="zh-CN" altLang="en-US" smtClean="0"/>
+              <a:t>的值可以为</a:t>
+            </a:r>
+            <a:r>
+              <a:rPr lang="en-US" altLang="zh-CN" smtClean="0"/>
+              <a:t>null</a:t>
+            </a:r>
+            <a:r>
+              <a:rPr lang="zh-CN" altLang="en-US" smtClean="0"/>
+              <a:t>、</a:t>
+            </a:r>
+            <a:r>
+              <a:rPr lang="en-US" altLang="zh-CN" smtClean="0"/>
+              <a:t>none</a:t>
+            </a:r>
+            <a:r>
+              <a:rPr lang="zh-CN" altLang="en-US" smtClean="0"/>
+              <a:t>、</a:t>
+            </a:r>
+            <a:r>
+              <a:rPr lang="en-US" altLang="zh-CN" smtClean="0"/>
+              <a:t>any</a:t>
+            </a:r>
+            <a:endParaRPr lang="zh-CN" altLang="en-US" dirty="0"/>
+          </a:p>
+        </p:txBody>
+      </p:sp>
+      <p:sp>
+        <p:nvSpPr>
+          <p:cNvPr id="4" name="灯片编号占位符 3"/>
+          <p:cNvSpPr>
+            <a:spLocks noGrp="1"/>
+          </p:cNvSpPr>
+          <p:nvPr>
+            <p:ph type="sldNum" sz="quarter" idx="10"/>
+          </p:nvPr>
+        </p:nvSpPr>
+        <p:spPr/>
+        <p:txBody>
+          <a:bodyPr/>
+          <a:lstStyle/>
+          <a:p>
+            <a:pPr>
+              <a:defRPr/>
+            </a:pPr>
+            <a:fld id="{74A7EE53-FE7D-42D7-BD41-E03AB61E9802}" type="slidenum">
+              <a:rPr lang="en-US" altLang="zh-CN" smtClean="0"/>
+              <a:pPr>
+                <a:defRPr/>
+              </a:pPr>
+              <a:t>23</a:t>
+            </a:fld>
+            <a:endParaRPr lang="en-US" altLang="zh-CN"/>
+          </a:p>
+        </p:txBody>
+      </p:sp>
+    </p:spTree>
+    <p:extLst>
+      <p:ext uri="{BB962C8B-B14F-4D97-AF65-F5344CB8AC3E}">
+        <p14:creationId xmlns:p14="http://schemas.microsoft.com/office/powerpoint/2010/main" val="966652570"/>
+      </p:ext>
+    </p:extLst>
+  </p:cSld>
+  <p:clrMapOvr>
+    <a:masterClrMapping/>
+  </p:clrMapOvr>
+</p:notes>
+</file>
+
+<file path=ppt/notesSlides/notesSlide11.xml><?xml version="1.0" encoding="utf-8"?>
 <p:notes xmlns:a="http://schemas.openxmlformats.org/drawingml/2006/main" xmlns:r="http://schemas.openxmlformats.org/officeDocument/2006/relationships" xmlns:p="http://schemas.openxmlformats.org/presentationml/2006/main">
   <p:cSld>
     <p:spTree>
@@ -15095,66 +15213,7 @@
           <a:bodyPr/>
           <a:lstStyle/>
           <a:p>
-            <a:pPr marL="0" marR="0" indent="0" algn="l" defTabSz="914400" rtl="0" eaLnBrk="0" fontAlgn="base" latinLnBrk="0" hangingPunct="0">
-              <a:lnSpc>
-                <a:spcPct val="100000"/>
-              </a:lnSpc>
-              <a:spcBef>
-                <a:spcPct val="30000"/>
-              </a:spcBef>
-              <a:spcAft>
-                <a:spcPct val="0"/>
-              </a:spcAft>
-              <a:buClrTx/>
-              <a:buSzTx/>
-              <a:buFontTx/>
-              <a:buNone/>
-              <a:tabLst/>
-              <a:defRPr/>
-            </a:pPr>
-            <a:r>
-              <a:rPr lang="en-US" altLang="zh-CN" dirty="0" err="1" smtClean="0">
-                <a:solidFill>
-                  <a:srgbClr val="FF0000"/>
-                </a:solidFill>
-              </a:rPr>
-              <a:t>session.save</a:t>
-            </a:r>
-            <a:r>
-              <a:rPr lang="en-US" altLang="zh-CN" dirty="0" smtClean="0">
-                <a:solidFill>
-                  <a:srgbClr val="FF0000"/>
-                </a:solidFill>
-              </a:rPr>
-              <a:t>()</a:t>
-            </a:r>
-            <a:r>
-              <a:rPr lang="zh-CN" altLang="en-US" dirty="0" smtClean="0">
-                <a:solidFill>
-                  <a:srgbClr val="FF0000"/>
-                </a:solidFill>
-              </a:rPr>
-              <a:t>方法是用来持久化临时对象的，不应该把持久化对象和游离对象传给</a:t>
-            </a:r>
-            <a:r>
-              <a:rPr lang="en-US" altLang="zh-CN" dirty="0" smtClean="0">
-                <a:solidFill>
-                  <a:srgbClr val="FF0000"/>
-                </a:solidFill>
-              </a:rPr>
-              <a:t>save()</a:t>
-            </a:r>
-            <a:r>
-              <a:rPr lang="zh-CN" altLang="en-US" dirty="0" smtClean="0">
-                <a:solidFill>
-                  <a:srgbClr val="FF0000"/>
-                </a:solidFill>
-              </a:rPr>
-              <a:t>方法</a:t>
-            </a:r>
-          </a:p>
-          <a:p>
-            <a:endParaRPr lang="zh-CN" altLang="en-US" dirty="0"/>
+            <a:endParaRPr lang="zh-CN" altLang="en-US"/>
           </a:p>
         </p:txBody>
       </p:sp>
@@ -15181,7 +15240,7 @@
               <a:pPr>
                 <a:defRPr/>
               </a:pPr>
-              <a:t>20</a:t>
+              <a:t>18</a:t>
             </a:fld>
             <a:endParaRPr lang="en-US" altLang="zh-CN"/>
           </a:p>
@@ -15190,7 +15249,7 @@
     </p:spTree>
     <p:extLst>
       <p:ext uri="{BB962C8B-B14F-4D97-AF65-F5344CB8AC3E}">
-        <p14:creationId xmlns:p14="http://schemas.microsoft.com/office/powerpoint/2010/main" val="2356980162"/>
+        <p14:creationId xmlns:p14="http://schemas.microsoft.com/office/powerpoint/2010/main" val="926205955"/>
       </p:ext>
     </p:extLst>
   </p:cSld>
@@ -15262,31 +15321,39 @@
               <a:defRPr/>
             </a:pPr>
             <a:r>
-              <a:rPr lang="en-US" altLang="zh-CN" smtClean="0">
+              <a:rPr lang="en-US" altLang="zh-CN" dirty="0" err="1" smtClean="0">
                 <a:solidFill>
                   <a:srgbClr val="FF0000"/>
                 </a:solidFill>
               </a:rPr>
-              <a:t>session.update()</a:t>
-            </a:r>
-            <a:r>
-              <a:rPr lang="zh-CN" altLang="en-US" smtClean="0">
+              <a:t>session.save</a:t>
+            </a:r>
+            <a:r>
+              <a:rPr lang="en-US" altLang="zh-CN" dirty="0" smtClean="0">
                 <a:solidFill>
                   <a:srgbClr val="FF0000"/>
                 </a:solidFill>
               </a:rPr>
-              <a:t>方法是用来持久化游离对象的，不应该把持久化对象和临时对象传给</a:t>
-            </a:r>
-            <a:r>
-              <a:rPr lang="en-US" altLang="zh-CN" smtClean="0">
+              <a:t>()</a:t>
+            </a:r>
+            <a:r>
+              <a:rPr lang="zh-CN" altLang="en-US" dirty="0" smtClean="0">
                 <a:solidFill>
                   <a:srgbClr val="FF0000"/>
                 </a:solidFill>
               </a:rPr>
-              <a:t>update()</a:t>
-            </a:r>
-            <a:r>
-              <a:rPr lang="zh-CN" altLang="en-US" smtClean="0">
+              <a:t>方法是用来持久化临时对象的，不应该把持久化对象和游离对象传给</a:t>
+            </a:r>
+            <a:r>
+              <a:rPr lang="en-US" altLang="zh-CN" dirty="0" smtClean="0">
+                <a:solidFill>
+                  <a:srgbClr val="FF0000"/>
+                </a:solidFill>
+              </a:rPr>
+              <a:t>save()</a:t>
+            </a:r>
+            <a:r>
+              <a:rPr lang="zh-CN" altLang="en-US" dirty="0" smtClean="0">
                 <a:solidFill>
                   <a:srgbClr val="FF0000"/>
                 </a:solidFill>
@@ -15322,7 +15389,7 @@
               <a:pPr>
                 <a:defRPr/>
               </a:pPr>
-              <a:t>21</a:t>
+              <a:t>20</a:t>
             </a:fld>
             <a:endParaRPr lang="en-US" altLang="zh-CN"/>
           </a:p>
@@ -15331,7 +15398,7 @@
     </p:spTree>
     <p:extLst>
       <p:ext uri="{BB962C8B-B14F-4D97-AF65-F5344CB8AC3E}">
-        <p14:creationId xmlns:p14="http://schemas.microsoft.com/office/powerpoint/2010/main" val="1943615946"/>
+        <p14:creationId xmlns:p14="http://schemas.microsoft.com/office/powerpoint/2010/main" val="2356980162"/>
       </p:ext>
     </p:extLst>
   </p:cSld>
@@ -15385,34 +15452,57 @@
           <a:bodyPr/>
           <a:lstStyle/>
           <a:p>
-            <a:r>
-              <a:rPr lang="en-US" altLang="zh-CN" smtClean="0"/>
-              <a:t>Unsaved-value</a:t>
-            </a:r>
-            <a:r>
-              <a:rPr lang="zh-CN" altLang="en-US" smtClean="0"/>
-              <a:t>的值可以为</a:t>
-            </a:r>
-            <a:r>
-              <a:rPr lang="en-US" altLang="zh-CN" smtClean="0"/>
-              <a:t>null</a:t>
-            </a:r>
-            <a:r>
-              <a:rPr lang="zh-CN" altLang="en-US" smtClean="0"/>
-              <a:t>、</a:t>
-            </a:r>
-            <a:r>
-              <a:rPr lang="en-US" altLang="zh-CN" smtClean="0"/>
-              <a:t>none</a:t>
-            </a:r>
-            <a:r>
-              <a:rPr lang="zh-CN" altLang="en-US" smtClean="0"/>
-              <a:t>、</a:t>
-            </a:r>
-            <a:r>
-              <a:rPr lang="en-US" altLang="zh-CN" smtClean="0"/>
-              <a:t>any</a:t>
-            </a:r>
+            <a:pPr marL="0" marR="0" indent="0" algn="l" defTabSz="914400" rtl="0" eaLnBrk="0" fontAlgn="base" latinLnBrk="0" hangingPunct="0">
+              <a:lnSpc>
+                <a:spcPct val="100000"/>
+              </a:lnSpc>
+              <a:spcBef>
+                <a:spcPct val="30000"/>
+              </a:spcBef>
+              <a:spcAft>
+                <a:spcPct val="0"/>
+              </a:spcAft>
+              <a:buClrTx/>
+              <a:buSzTx/>
+              <a:buFontTx/>
+              <a:buNone/>
+              <a:tabLst/>
+              <a:defRPr/>
+            </a:pPr>
+            <a:r>
+              <a:rPr lang="en-US" altLang="zh-CN" smtClean="0">
+                <a:solidFill>
+                  <a:srgbClr val="FF0000"/>
+                </a:solidFill>
+              </a:rPr>
+              <a:t>session.update()</a:t>
+            </a:r>
+            <a:r>
+              <a:rPr lang="zh-CN" altLang="en-US" smtClean="0">
+                <a:solidFill>
+                  <a:srgbClr val="FF0000"/>
+                </a:solidFill>
+              </a:rPr>
+              <a:t>方法是用来持久化游离对象的，不应该把持久化对象和临时对象传给</a:t>
+            </a:r>
+            <a:r>
+              <a:rPr lang="en-US" altLang="zh-CN" smtClean="0">
+                <a:solidFill>
+                  <a:srgbClr val="FF0000"/>
+                </a:solidFill>
+              </a:rPr>
+              <a:t>update()</a:t>
+            </a:r>
+            <a:r>
+              <a:rPr lang="zh-CN" altLang="en-US" smtClean="0">
+                <a:solidFill>
+                  <a:srgbClr val="FF0000"/>
+                </a:solidFill>
+              </a:rPr>
+              <a:t>方法</a:t>
+            </a:r>
+          </a:p>
+          <a:p>
             <a:endParaRPr lang="zh-CN" altLang="en-US" dirty="0"/>
           </a:p>
         </p:txBody>
@@ -15440,7 +15530,7 @@
               <a:pPr>
                 <a:defRPr/>
               </a:pPr>
-              <a:t>23</a:t>
+              <a:t>21</a:t>
             </a:fld>
             <a:endParaRPr lang="en-US" altLang="zh-CN"/>
           </a:p>
@@ -15449,7 +15539,7 @@
     </p:spTree>
     <p:extLst>
       <p:ext uri="{BB962C8B-B14F-4D97-AF65-F5344CB8AC3E}">
-        <p14:creationId xmlns:p14="http://schemas.microsoft.com/office/powerpoint/2010/main" val="966652570"/>
+        <p14:creationId xmlns:p14="http://schemas.microsoft.com/office/powerpoint/2010/main" val="1943615946"/>
       </p:ext>
     </p:extLst>
   </p:cSld>
@@ -18822,9 +18912,10 @@
               <a:t>Session</a:t>
             </a:r>
             <a:r>
-              <a:rPr lang="zh-CN" altLang="en-US"/>
-              <a:t>缓存清理</a:t>
-            </a:r>
+              <a:rPr lang="zh-CN" altLang="en-US" smtClean="0"/>
+              <a:t>对象快照</a:t>
+            </a:r>
+            <a:endParaRPr lang="zh-CN" altLang="en-US"/>
           </a:p>
         </p:txBody>
       </p:sp>
@@ -28794,7 +28885,7 @@
           <p:nvPr>
             <p:extLst>
               <p:ext uri="{D42A27DB-BD31-4B8C-83A1-F6EECF244321}">
-                <p14:modId xmlns:p14="http://schemas.microsoft.com/office/powerpoint/2010/main" val="3409539789"/>
+                <p14:modId xmlns:p14="http://schemas.microsoft.com/office/powerpoint/2010/main" val="1639146585"/>
               </p:ext>
             </p:extLst>
           </p:nvPr>
@@ -29064,7 +29155,20 @@
                           <a:latin typeface="微软雅黑" panose="020B0503020204020204" pitchFamily="34" charset="-122"/>
                           <a:ea typeface="微软雅黑" panose="020B0503020204020204" pitchFamily="34" charset="-122"/>
                         </a:rPr>
-                        <a:t>前提是没有其他</a:t>
+                        <a:t>前提是没有</a:t>
+                      </a:r>
+                      <a:r>
+                        <a:rPr lang="zh-CN" altLang="en-US" sz="2400" smtClean="0">
+                          <a:solidFill>
+                            <a:schemeClr val="tx1">
+                              <a:lumMod val="85000"/>
+                              <a:lumOff val="15000"/>
+                            </a:schemeClr>
+                          </a:solidFill>
+                          <a:latin typeface="微软雅黑" panose="020B0503020204020204" pitchFamily="34" charset="-122"/>
+                          <a:ea typeface="微软雅黑" panose="020B0503020204020204" pitchFamily="34" charset="-122"/>
+                        </a:rPr>
+                        <a:t>其他</a:t>
                       </a:r>
                       <a:r>
                         <a:rPr lang="en-US" altLang="zh-CN" sz="2400" smtClean="0">
@@ -29077,7 +29181,7 @@
                           <a:latin typeface="微软雅黑" panose="020B0503020204020204" pitchFamily="34" charset="-122"/>
                           <a:ea typeface="微软雅黑" panose="020B0503020204020204" pitchFamily="34" charset="-122"/>
                         </a:rPr>
-                        <a:t>session</a:t>
+                        <a:t>Session</a:t>
                       </a:r>
                       <a:r>
                         <a:rPr lang="zh-CN" altLang="en-US" sz="2400" smtClean="0">
@@ -29850,6 +29954,30 @@
           <a:chExt cx="0" cy="0"/>
         </a:xfrm>
       </p:grpSpPr>
+      <p:pic>
+        <p:nvPicPr>
+          <p:cNvPr id="2" name="图片 1"/>
+          <p:cNvPicPr>
+            <a:picLocks noChangeAspect="1"/>
+          </p:cNvPicPr>
+          <p:nvPr/>
+        </p:nvPicPr>
+        <p:blipFill>
+          <a:blip r:embed="rId3"/>
+          <a:stretch>
+            <a:fillRect/>
+          </a:stretch>
+        </p:blipFill>
+        <p:spPr>
+          <a:xfrm>
+            <a:off x="839416" y="1196752"/>
+            <a:ext cx="10276454" cy="5184576"/>
+          </a:xfrm>
+          <a:prstGeom prst="rect">
+            <a:avLst/>
+          </a:prstGeom>
+        </p:spPr>
+      </p:pic>
       <p:sp>
         <p:nvSpPr>
           <p:cNvPr id="22530" name="标题 1"/>
@@ -29880,30 +30008,6 @@
           </a:p>
         </p:txBody>
       </p:sp>
-      <p:pic>
-        <p:nvPicPr>
-          <p:cNvPr id="3" name="图片 2"/>
-          <p:cNvPicPr>
-            <a:picLocks noChangeAspect="1"/>
-          </p:cNvPicPr>
-          <p:nvPr/>
-        </p:nvPicPr>
-        <p:blipFill>
-          <a:blip r:embed="rId2"/>
-          <a:stretch>
-            <a:fillRect/>
-          </a:stretch>
-        </p:blipFill>
-        <p:spPr>
-          <a:xfrm>
-            <a:off x="839416" y="1196752"/>
-            <a:ext cx="10262039" cy="5184576"/>
-          </a:xfrm>
-          <a:prstGeom prst="rect">
-            <a:avLst/>
-          </a:prstGeom>
-        </p:spPr>
-      </p:pic>
     </p:spTree>
     <p:extLst>
       <p:ext uri="{BB962C8B-B14F-4D97-AF65-F5344CB8AC3E}">
@@ -30832,7 +30936,7 @@
           <p:nvPr>
             <p:extLst>
               <p:ext uri="{D42A27DB-BD31-4B8C-83A1-F6EECF244321}">
-                <p14:modId xmlns:p14="http://schemas.microsoft.com/office/powerpoint/2010/main" val="3284284599"/>
+                <p14:modId xmlns:p14="http://schemas.microsoft.com/office/powerpoint/2010/main" val="276987195"/>
               </p:ext>
             </p:extLst>
           </p:nvPr>
@@ -30929,7 +31033,7 @@
           <p:nvPr>
             <p:extLst>
               <p:ext uri="{D42A27DB-BD31-4B8C-83A1-F6EECF244321}">
-                <p14:modId xmlns:p14="http://schemas.microsoft.com/office/powerpoint/2010/main" val="1128665064"/>
+                <p14:modId xmlns:p14="http://schemas.microsoft.com/office/powerpoint/2010/main" val="1458519285"/>
               </p:ext>
             </p:extLst>
           </p:nvPr>
@@ -31879,12 +31983,8 @@
           <a:lstStyle/>
           <a:p>
             <a:r>
-              <a:rPr lang="en-US" altLang="zh-CN"/>
-              <a:t>S</a:t>
-            </a:r>
-            <a:r>
               <a:rPr lang="en-US" altLang="zh-CN" smtClean="0"/>
-              <a:t>ession</a:t>
+              <a:t>Session</a:t>
             </a:r>
             <a:r>
               <a:rPr lang="zh-CN" altLang="en-US" smtClean="0"/>
@@ -31892,12 +31992,13 @@
             </a:r>
             <a:r>
               <a:rPr lang="en-US" altLang="zh-CN" smtClean="0"/>
-              <a:t>update()</a:t>
+              <a:t>delete()</a:t>
             </a:r>
             <a:r>
               <a:rPr lang="zh-CN" altLang="en-US" smtClean="0"/>
               <a:t>方法</a:t>
             </a:r>
+            <a:endParaRPr lang="zh-CN" altLang="en-US" smtClean="0"/>
           </a:p>
         </p:txBody>
       </p:sp>
@@ -32100,11 +32201,7 @@
             </a:r>
             <a:r>
               <a:rPr lang="zh-CN" altLang="en-US" sz="3200" smtClean="0"/>
-              <a:t>对应的</a:t>
-            </a:r>
-            <a:r>
-              <a:rPr lang="zh-CN" altLang="en-US" sz="3200" smtClean="0"/>
-              <a:t>记录：</a:t>
+              <a:t>对应的记录：</a:t>
             </a:r>
             <a:endParaRPr lang="en-US" altLang="zh-CN" sz="3200" dirty="0" smtClean="0"/>
           </a:p>
@@ -32162,11 +32259,7 @@
             </a:r>
             <a:r>
               <a:rPr lang="zh-CN" altLang="en-US" sz="3200" smtClean="0"/>
-              <a:t>加载</a:t>
-            </a:r>
-            <a:r>
-              <a:rPr lang="zh-CN" altLang="en-US" sz="3200" smtClean="0"/>
-              <a:t>策略：</a:t>
+              <a:t>加载策略：</a:t>
             </a:r>
             <a:endParaRPr lang="en-US" altLang="zh-CN" sz="3200" dirty="0" smtClean="0"/>
           </a:p>
@@ -32319,11 +32412,7 @@
             </a:r>
             <a:r>
               <a:rPr lang="zh-CN" altLang="en-US"/>
-              <a:t>操作</a:t>
-            </a:r>
-            <a:r>
-              <a:rPr lang="zh-CN" altLang="en-US"/>
-              <a:t>持久</a:t>
+              <a:t>操作持久</a:t>
             </a:r>
             <a:r>
               <a:rPr lang="zh-CN" altLang="en-US" smtClean="0"/>

--- a/meterials/slides/ch07-manage-persistant-object.pptx
+++ b/meterials/slides/ch07-manage-persistant-object.pptx
@@ -2985,14 +2985,7 @@
               <a:latin typeface="微软雅黑" panose="020B0503020204020204" pitchFamily="34" charset="-122"/>
               <a:ea typeface="微软雅黑" panose="020B0503020204020204" pitchFamily="34" charset="-122"/>
             </a:rPr>
-            <a:t>值</a:t>
-          </a:r>
-          <a:r>
-            <a:rPr lang="zh-CN" altLang="en-US" sz="2800" smtClean="0">
-              <a:latin typeface="微软雅黑" panose="020B0503020204020204" pitchFamily="34" charset="-122"/>
-              <a:ea typeface="微软雅黑" panose="020B0503020204020204" pitchFamily="34" charset="-122"/>
-            </a:rPr>
-            <a:t>组装到 </a:t>
+            <a:t>值组装到 </a:t>
           </a:r>
           <a:r>
             <a:rPr lang="en-US" altLang="zh-CN" sz="2800" smtClean="0">
@@ -3006,28 +2999,14 @@
               <a:latin typeface="微软雅黑" panose="020B0503020204020204" pitchFamily="34" charset="-122"/>
               <a:ea typeface="微软雅黑" panose="020B0503020204020204" pitchFamily="34" charset="-122"/>
             </a:rPr>
-            <a:t>语句中</a:t>
+            <a:t>语句</a:t>
           </a:r>
           <a:r>
             <a:rPr lang="zh-CN" altLang="en-US" sz="2800" smtClean="0">
               <a:latin typeface="微软雅黑" panose="020B0503020204020204" pitchFamily="34" charset="-122"/>
               <a:ea typeface="微软雅黑" panose="020B0503020204020204" pitchFamily="34" charset="-122"/>
             </a:rPr>
-            <a:t>，并执行 </a:t>
-          </a:r>
-          <a:r>
-            <a:rPr lang="en-US" altLang="zh-CN" sz="2800" smtClean="0">
-              <a:latin typeface="微软雅黑" panose="020B0503020204020204" pitchFamily="34" charset="-122"/>
-              <a:ea typeface="微软雅黑" panose="020B0503020204020204" pitchFamily="34" charset="-122"/>
-            </a:rPr>
-            <a:t>insert</a:t>
-          </a:r>
-          <a:r>
-            <a:rPr lang="zh-CN" altLang="en-US" sz="2800" smtClean="0">
-              <a:latin typeface="微软雅黑" panose="020B0503020204020204" pitchFamily="34" charset="-122"/>
-              <a:ea typeface="微软雅黑" panose="020B0503020204020204" pitchFamily="34" charset="-122"/>
-            </a:rPr>
-            <a:t>；</a:t>
+            <a:t>中；</a:t>
           </a:r>
           <a:endParaRPr lang="zh-CN" altLang="en-US" sz="2800" dirty="0">
             <a:latin typeface="微软雅黑" panose="020B0503020204020204" pitchFamily="34" charset="-122"/>
@@ -5164,14 +5143,7 @@
               <a:latin typeface="微软雅黑" panose="020B0503020204020204" pitchFamily="34" charset="-122"/>
               <a:ea typeface="微软雅黑" panose="020B0503020204020204" pitchFamily="34" charset="-122"/>
             </a:rPr>
-            <a:t>值</a:t>
-          </a:r>
-          <a:r>
-            <a:rPr lang="zh-CN" altLang="en-US" sz="2800" kern="1200" smtClean="0">
-              <a:latin typeface="微软雅黑" panose="020B0503020204020204" pitchFamily="34" charset="-122"/>
-              <a:ea typeface="微软雅黑" panose="020B0503020204020204" pitchFamily="34" charset="-122"/>
-            </a:rPr>
-            <a:t>组装到 </a:t>
+            <a:t>值组装到 </a:t>
           </a:r>
           <a:r>
             <a:rPr lang="en-US" altLang="zh-CN" sz="2800" kern="1200" smtClean="0">
@@ -5185,28 +5157,14 @@
               <a:latin typeface="微软雅黑" panose="020B0503020204020204" pitchFamily="34" charset="-122"/>
               <a:ea typeface="微软雅黑" panose="020B0503020204020204" pitchFamily="34" charset="-122"/>
             </a:rPr>
-            <a:t>语句中</a:t>
+            <a:t>语句</a:t>
           </a:r>
           <a:r>
             <a:rPr lang="zh-CN" altLang="en-US" sz="2800" kern="1200" smtClean="0">
               <a:latin typeface="微软雅黑" panose="020B0503020204020204" pitchFamily="34" charset="-122"/>
               <a:ea typeface="微软雅黑" panose="020B0503020204020204" pitchFamily="34" charset="-122"/>
             </a:rPr>
-            <a:t>，并执行 </a:t>
-          </a:r>
-          <a:r>
-            <a:rPr lang="en-US" altLang="zh-CN" sz="2800" kern="1200" smtClean="0">
-              <a:latin typeface="微软雅黑" panose="020B0503020204020204" pitchFamily="34" charset="-122"/>
-              <a:ea typeface="微软雅黑" panose="020B0503020204020204" pitchFamily="34" charset="-122"/>
-            </a:rPr>
-            <a:t>insert</a:t>
-          </a:r>
-          <a:r>
-            <a:rPr lang="zh-CN" altLang="en-US" sz="2800" kern="1200" smtClean="0">
-              <a:latin typeface="微软雅黑" panose="020B0503020204020204" pitchFamily="34" charset="-122"/>
-              <a:ea typeface="微软雅黑" panose="020B0503020204020204" pitchFamily="34" charset="-122"/>
-            </a:rPr>
-            <a:t>；</a:t>
+            <a:t>中；</a:t>
           </a:r>
           <a:endParaRPr lang="zh-CN" altLang="en-US" sz="2800" kern="1200" dirty="0">
             <a:latin typeface="微软雅黑" panose="020B0503020204020204" pitchFamily="34" charset="-122"/>
@@ -13735,7 +13693,7 @@
           <a:p>
             <a:fld id="{8C6DAAC4-3F4D-4BC2-99C2-C888EF35166D}" type="datetimeFigureOut">
               <a:rPr lang="zh-CN" altLang="en-US" smtClean="0"/>
-              <a:t>2017/9/6</a:t>
+              <a:t>2017/9/7</a:t>
             </a:fld>
             <a:endParaRPr lang="zh-CN" altLang="en-US"/>
           </a:p>
@@ -29155,20 +29113,7 @@
                           <a:latin typeface="微软雅黑" panose="020B0503020204020204" pitchFamily="34" charset="-122"/>
                           <a:ea typeface="微软雅黑" panose="020B0503020204020204" pitchFamily="34" charset="-122"/>
                         </a:rPr>
-                        <a:t>前提是没有</a:t>
-                      </a:r>
-                      <a:r>
-                        <a:rPr lang="zh-CN" altLang="en-US" sz="2400" smtClean="0">
-                          <a:solidFill>
-                            <a:schemeClr val="tx1">
-                              <a:lumMod val="85000"/>
-                              <a:lumOff val="15000"/>
-                            </a:schemeClr>
-                          </a:solidFill>
-                          <a:latin typeface="微软雅黑" panose="020B0503020204020204" pitchFamily="34" charset="-122"/>
-                          <a:ea typeface="微软雅黑" panose="020B0503020204020204" pitchFamily="34" charset="-122"/>
-                        </a:rPr>
-                        <a:t>其他</a:t>
+                        <a:t>前提是没有其他</a:t>
                       </a:r>
                       <a:r>
                         <a:rPr lang="en-US" altLang="zh-CN" sz="2400" smtClean="0">
@@ -30936,7 +30881,7 @@
           <p:nvPr>
             <p:extLst>
               <p:ext uri="{D42A27DB-BD31-4B8C-83A1-F6EECF244321}">
-                <p14:modId xmlns:p14="http://schemas.microsoft.com/office/powerpoint/2010/main" val="276987195"/>
+                <p14:modId xmlns:p14="http://schemas.microsoft.com/office/powerpoint/2010/main" val="1672977452"/>
               </p:ext>
             </p:extLst>
           </p:nvPr>
@@ -31998,7 +31943,6 @@
               <a:rPr lang="zh-CN" altLang="en-US" smtClean="0"/>
               <a:t>方法</a:t>
             </a:r>
-            <a:endParaRPr lang="zh-CN" altLang="en-US" smtClean="0"/>
           </a:p>
         </p:txBody>
       </p:sp>
